--- a/2021_01_12/세미나2.pptx
+++ b/2021_01_12/세미나2.pptx
@@ -5,7 +5,7 @@
     <p:sldMasterId id="2147483648" r:id="rId1"/>
   </p:sldMasterIdLst>
   <p:notesMasterIdLst>
-    <p:notesMasterId r:id="rId26"/>
+    <p:notesMasterId r:id="rId28"/>
   </p:notesMasterIdLst>
   <p:sldIdLst>
     <p:sldId id="271" r:id="rId2"/>
@@ -30,16 +30,18 @@
     <p:sldId id="325" r:id="rId21"/>
     <p:sldId id="326" r:id="rId22"/>
     <p:sldId id="327" r:id="rId23"/>
-    <p:sldId id="286" r:id="rId24"/>
-    <p:sldId id="280" r:id="rId25"/>
+    <p:sldId id="328" r:id="rId24"/>
+    <p:sldId id="329" r:id="rId25"/>
+    <p:sldId id="286" r:id="rId26"/>
+    <p:sldId id="280" r:id="rId27"/>
   </p:sldIdLst>
   <p:sldSz cx="12192000" cy="6858000"/>
   <p:notesSz cx="6858000" cy="9144000"/>
   <p:embeddedFontLst>
     <p:embeddedFont>
       <p:font typeface="맑은 고딕" panose="020B0503020000020004" pitchFamily="50" charset="-127"/>
-      <p:regular r:id="rId27"/>
-      <p:bold r:id="rId28"/>
+      <p:regular r:id="rId29"/>
+      <p:bold r:id="rId30"/>
     </p:embeddedFont>
   </p:embeddedFontLst>
   <p:defaultTextStyle>
@@ -238,7 +240,7 @@
           <a:p>
             <a:fld id="{0EB398E2-E316-4E96-990E-23BE4EE0A812}" type="datetimeFigureOut">
               <a:rPr lang="ko-KR" altLang="en-US" smtClean="0"/>
-              <a:t>2021-01-11</a:t>
+              <a:t>2021-01-12</a:t>
             </a:fld>
             <a:endParaRPr lang="ko-KR" altLang="en-US"/>
           </a:p>
@@ -3147,7 +3149,130 @@
           <a:bodyPr/>
           <a:lstStyle/>
           <a:p>
-            <a:endParaRPr lang="ko-KR" altLang="en-US" dirty="0"/>
+            <a:r>
+              <a:rPr lang="ko-KR" altLang="en-US"/>
+              <a:t>마지막으로 알아볼 디렉티브는 </a:t>
+            </a:r>
+            <a:r>
+              <a:rPr lang="en-US" altLang="ko-KR"/>
+              <a:t>v-model </a:t>
+            </a:r>
+            <a:r>
+              <a:rPr lang="ko-KR" altLang="en-US"/>
+              <a:t>디렉티브입니다</a:t>
+            </a:r>
+            <a:r>
+              <a:rPr lang="en-US" altLang="ko-KR"/>
+              <a:t>.</a:t>
+            </a:r>
+          </a:p>
+          <a:p>
+            <a:endParaRPr lang="en-US" altLang="ko-KR"/>
+          </a:p>
+          <a:p>
+            <a:r>
+              <a:rPr lang="ko-KR" altLang="en-US"/>
+              <a:t>이는 양방향 바인딩이 가능하게 하는 것으로 아까 설명했던 </a:t>
+            </a:r>
+            <a:r>
+              <a:rPr lang="en-US" altLang="ko-KR"/>
+              <a:t>AngluarJS</a:t>
+            </a:r>
+            <a:r>
+              <a:rPr lang="ko-KR" altLang="en-US"/>
+              <a:t>의 장점으로 뽑아온 것으로 데이터의 변화가 입력에 따라 업데이트 되는 것입니다</a:t>
+            </a:r>
+            <a:r>
+              <a:rPr lang="en-US" altLang="ko-KR"/>
+              <a:t>.</a:t>
+            </a:r>
+          </a:p>
+          <a:p>
+            <a:endParaRPr lang="en-US" altLang="ko-KR"/>
+          </a:p>
+          <a:p>
+            <a:r>
+              <a:rPr lang="ko-KR" altLang="en-US"/>
+              <a:t>말만 들으면 좀 어려운데 원래라면 제가 입력을 하고 그 데이터가 바인딩 되고 이런 절차를 밟겠지만 양방향 바인딩은</a:t>
+            </a:r>
+            <a:endParaRPr lang="en-US" altLang="ko-KR"/>
+          </a:p>
+          <a:p>
+            <a:endParaRPr lang="en-US" altLang="ko-KR"/>
+          </a:p>
+          <a:p>
+            <a:r>
+              <a:rPr lang="ko-KR" altLang="en-US"/>
+              <a:t>내가 입력을 하자마자 데이터가 반영이 된다고 생각하시면 편합니다</a:t>
+            </a:r>
+            <a:r>
+              <a:rPr lang="en-US" altLang="ko-KR"/>
+              <a:t>.</a:t>
+            </a:r>
+          </a:p>
+          <a:p>
+            <a:endParaRPr lang="en-US" altLang="ko-KR"/>
+          </a:p>
+          <a:p>
+            <a:r>
+              <a:rPr lang="ko-KR" altLang="en-US"/>
+              <a:t>코드를 보시면 </a:t>
+            </a:r>
+            <a:r>
+              <a:rPr lang="en-US" altLang="ko-KR"/>
+              <a:t>messag</a:t>
+            </a:r>
+            <a:r>
+              <a:rPr lang="ko-KR" altLang="en-US"/>
+              <a:t>라는 문자열을 </a:t>
+            </a:r>
+            <a:r>
+              <a:rPr lang="en-US" altLang="ko-KR"/>
+              <a:t>input </a:t>
+            </a:r>
+            <a:r>
+              <a:rPr lang="ko-KR" altLang="en-US"/>
+              <a:t>요소에 </a:t>
+            </a:r>
+            <a:r>
+              <a:rPr lang="en-US" altLang="ko-KR"/>
+              <a:t>v-model</a:t>
+            </a:r>
+            <a:r>
+              <a:rPr lang="ko-KR" altLang="en-US"/>
+              <a:t>로 양방향 바인딩 하고</a:t>
+            </a:r>
+            <a:r>
+              <a:rPr lang="en-US" altLang="ko-KR"/>
+              <a:t>,</a:t>
+            </a:r>
+          </a:p>
+          <a:p>
+            <a:endParaRPr lang="en-US" altLang="ko-KR"/>
+          </a:p>
+          <a:p>
+            <a:r>
+              <a:rPr lang="en-US" altLang="ko-KR"/>
+              <a:t>message </a:t>
+            </a:r>
+            <a:r>
+              <a:rPr lang="ko-KR" altLang="en-US"/>
+              <a:t>변수를 밑에서 출력하는 데요</a:t>
+            </a:r>
+            <a:endParaRPr lang="en-US" altLang="ko-KR"/>
+          </a:p>
+          <a:p>
+            <a:endParaRPr lang="en-US" altLang="ko-KR"/>
+          </a:p>
+          <a:p>
+            <a:r>
+              <a:rPr lang="ko-KR" altLang="en-US"/>
+              <a:t>실행 화면을 보겠습니다</a:t>
+            </a:r>
+            <a:r>
+              <a:rPr lang="en-US" altLang="ko-KR"/>
+              <a:t>.</a:t>
+            </a:r>
           </a:p>
         </p:txBody>
       </p:sp>
@@ -3169,6 +3294,230 @@
             <a:fld id="{D77D3CDB-C11F-4B3C-8011-4CB70A9F6877}" type="slidenum">
               <a:rPr lang="ko-KR" altLang="en-US" smtClean="0"/>
               <a:t>23</a:t>
+            </a:fld>
+            <a:endParaRPr lang="ko-KR" altLang="en-US"/>
+          </a:p>
+        </p:txBody>
+      </p:sp>
+    </p:spTree>
+    <p:extLst>
+      <p:ext uri="{BB962C8B-B14F-4D97-AF65-F5344CB8AC3E}">
+        <p14:creationId xmlns:p14="http://schemas.microsoft.com/office/powerpoint/2010/main" val="311420310"/>
+      </p:ext>
+    </p:extLst>
+  </p:cSld>
+  <p:clrMapOvr>
+    <a:masterClrMapping/>
+  </p:clrMapOvr>
+</p:notes>
+</file>
+
+<file path=ppt/notesSlides/notesSlide24.xml><?xml version="1.0" encoding="utf-8"?>
+<p:notes xmlns:a="http://schemas.openxmlformats.org/drawingml/2006/main" xmlns:r="http://schemas.openxmlformats.org/officeDocument/2006/relationships" xmlns:p="http://schemas.openxmlformats.org/presentationml/2006/main">
+  <p:cSld>
+    <p:spTree>
+      <p:nvGrpSpPr>
+        <p:cNvPr id="1" name=""/>
+        <p:cNvGrpSpPr/>
+        <p:nvPr/>
+      </p:nvGrpSpPr>
+      <p:grpSpPr>
+        <a:xfrm>
+          <a:off x="0" y="0"/>
+          <a:ext cx="0" cy="0"/>
+          <a:chOff x="0" y="0"/>
+          <a:chExt cx="0" cy="0"/>
+        </a:xfrm>
+      </p:grpSpPr>
+      <p:sp>
+        <p:nvSpPr>
+          <p:cNvPr id="2" name="슬라이드 이미지 개체 틀 1"/>
+          <p:cNvSpPr>
+            <a:spLocks noGrp="1" noRot="1" noChangeAspect="1"/>
+          </p:cNvSpPr>
+          <p:nvPr>
+            <p:ph type="sldImg"/>
+          </p:nvPr>
+        </p:nvSpPr>
+        <p:spPr/>
+      </p:sp>
+      <p:sp>
+        <p:nvSpPr>
+          <p:cNvPr id="3" name="슬라이드 노트 개체 틀 2"/>
+          <p:cNvSpPr>
+            <a:spLocks noGrp="1"/>
+          </p:cNvSpPr>
+          <p:nvPr>
+            <p:ph type="body" idx="1"/>
+          </p:nvPr>
+        </p:nvSpPr>
+        <p:spPr/>
+        <p:txBody>
+          <a:bodyPr/>
+          <a:lstStyle/>
+          <a:p>
+            <a:r>
+              <a:rPr lang="ko-KR" altLang="en-US"/>
+              <a:t>보시는 것과 같이 사용자가 키를 입력해 인풋에 변경이 되자 마자 현 데이터에 반영이 되는 것을 의미합니다</a:t>
+            </a:r>
+            <a:r>
+              <a:rPr lang="en-US" altLang="ko-KR"/>
+              <a:t>.</a:t>
+            </a:r>
+          </a:p>
+          <a:p>
+            <a:endParaRPr lang="en-US" altLang="ko-KR"/>
+          </a:p>
+          <a:p>
+            <a:pPr marL="0" marR="0" lvl="0" indent="0" algn="l" defTabSz="914400" rtl="0" eaLnBrk="1" fontAlgn="auto" latinLnBrk="1" hangingPunct="1">
+              <a:lnSpc>
+                <a:spcPct val="100000"/>
+              </a:lnSpc>
+              <a:spcBef>
+                <a:spcPts val="0"/>
+              </a:spcBef>
+              <a:spcAft>
+                <a:spcPts val="0"/>
+              </a:spcAft>
+              <a:buClrTx/>
+              <a:buSzTx/>
+              <a:buFontTx/>
+              <a:buNone/>
+              <a:tabLst/>
+              <a:defRPr/>
+            </a:pPr>
+            <a:r>
+              <a:rPr lang="ko-KR" altLang="en-US"/>
+              <a:t>주로 </a:t>
+            </a:r>
+            <a:r>
+              <a:rPr lang="en-US" altLang="ko-KR"/>
+              <a:t>INPUT</a:t>
+            </a:r>
+            <a:r>
+              <a:rPr lang="ko-KR" altLang="en-US"/>
+              <a:t>등 </a:t>
+            </a:r>
+            <a:r>
+              <a:rPr lang="en-US" altLang="ko-KR"/>
+              <a:t>FORM </a:t>
+            </a:r>
+            <a:r>
+              <a:rPr lang="ko-KR" altLang="en-US"/>
+              <a:t>형식에서 주로 쓰입니다</a:t>
+            </a:r>
+            <a:r>
+              <a:rPr lang="en-US" altLang="ko-KR"/>
+              <a:t>.</a:t>
+            </a:r>
+          </a:p>
+          <a:p>
+            <a:endParaRPr lang="en-US" altLang="ko-KR"/>
+          </a:p>
+        </p:txBody>
+      </p:sp>
+      <p:sp>
+        <p:nvSpPr>
+          <p:cNvPr id="4" name="슬라이드 번호 개체 틀 3"/>
+          <p:cNvSpPr>
+            <a:spLocks noGrp="1"/>
+          </p:cNvSpPr>
+          <p:nvPr>
+            <p:ph type="sldNum" sz="quarter" idx="5"/>
+          </p:nvPr>
+        </p:nvSpPr>
+        <p:spPr/>
+        <p:txBody>
+          <a:bodyPr/>
+          <a:lstStyle/>
+          <a:p>
+            <a:fld id="{D77D3CDB-C11F-4B3C-8011-4CB70A9F6877}" type="slidenum">
+              <a:rPr lang="ko-KR" altLang="en-US" smtClean="0"/>
+              <a:t>24</a:t>
+            </a:fld>
+            <a:endParaRPr lang="ko-KR" altLang="en-US"/>
+          </a:p>
+        </p:txBody>
+      </p:sp>
+    </p:spTree>
+    <p:extLst>
+      <p:ext uri="{BB962C8B-B14F-4D97-AF65-F5344CB8AC3E}">
+        <p14:creationId xmlns:p14="http://schemas.microsoft.com/office/powerpoint/2010/main" val="2143272369"/>
+      </p:ext>
+    </p:extLst>
+  </p:cSld>
+  <p:clrMapOvr>
+    <a:masterClrMapping/>
+  </p:clrMapOvr>
+</p:notes>
+</file>
+
+<file path=ppt/notesSlides/notesSlide25.xml><?xml version="1.0" encoding="utf-8"?>
+<p:notes xmlns:a="http://schemas.openxmlformats.org/drawingml/2006/main" xmlns:r="http://schemas.openxmlformats.org/officeDocument/2006/relationships" xmlns:p="http://schemas.openxmlformats.org/presentationml/2006/main">
+  <p:cSld>
+    <p:spTree>
+      <p:nvGrpSpPr>
+        <p:cNvPr id="1" name=""/>
+        <p:cNvGrpSpPr/>
+        <p:nvPr/>
+      </p:nvGrpSpPr>
+      <p:grpSpPr>
+        <a:xfrm>
+          <a:off x="0" y="0"/>
+          <a:ext cx="0" cy="0"/>
+          <a:chOff x="0" y="0"/>
+          <a:chExt cx="0" cy="0"/>
+        </a:xfrm>
+      </p:grpSpPr>
+      <p:sp>
+        <p:nvSpPr>
+          <p:cNvPr id="2" name="슬라이드 이미지 개체 틀 1"/>
+          <p:cNvSpPr>
+            <a:spLocks noGrp="1" noRot="1" noChangeAspect="1"/>
+          </p:cNvSpPr>
+          <p:nvPr>
+            <p:ph type="sldImg"/>
+          </p:nvPr>
+        </p:nvSpPr>
+        <p:spPr/>
+      </p:sp>
+      <p:sp>
+        <p:nvSpPr>
+          <p:cNvPr id="3" name="슬라이드 노트 개체 틀 2"/>
+          <p:cNvSpPr>
+            <a:spLocks noGrp="1"/>
+          </p:cNvSpPr>
+          <p:nvPr>
+            <p:ph type="body" idx="1"/>
+          </p:nvPr>
+        </p:nvSpPr>
+        <p:spPr/>
+        <p:txBody>
+          <a:bodyPr/>
+          <a:lstStyle/>
+          <a:p>
+            <a:endParaRPr lang="ko-KR" altLang="en-US" dirty="0"/>
+          </a:p>
+        </p:txBody>
+      </p:sp>
+      <p:sp>
+        <p:nvSpPr>
+          <p:cNvPr id="4" name="슬라이드 번호 개체 틀 3"/>
+          <p:cNvSpPr>
+            <a:spLocks noGrp="1"/>
+          </p:cNvSpPr>
+          <p:nvPr>
+            <p:ph type="sldNum" sz="quarter" idx="5"/>
+          </p:nvPr>
+        </p:nvSpPr>
+        <p:spPr/>
+        <p:txBody>
+          <a:bodyPr/>
+          <a:lstStyle/>
+          <a:p>
+            <a:fld id="{D77D3CDB-C11F-4B3C-8011-4CB70A9F6877}" type="slidenum">
+              <a:rPr lang="ko-KR" altLang="en-US" smtClean="0"/>
+              <a:t>25</a:t>
             </a:fld>
             <a:endParaRPr lang="ko-KR" altLang="en-US"/>
           </a:p>
@@ -4952,7 +5301,7 @@
           <a:p>
             <a:fld id="{784D74D0-C08C-4FA0-B1AC-58A8B9A14615}" type="datetimeFigureOut">
               <a:rPr lang="ko-KR" altLang="en-US" smtClean="0"/>
-              <a:t>2021-01-11</a:t>
+              <a:t>2021-01-12</a:t>
             </a:fld>
             <a:endParaRPr lang="ko-KR" altLang="en-US"/>
           </a:p>
@@ -5150,7 +5499,7 @@
           <a:p>
             <a:fld id="{784D74D0-C08C-4FA0-B1AC-58A8B9A14615}" type="datetimeFigureOut">
               <a:rPr lang="ko-KR" altLang="en-US" smtClean="0"/>
-              <a:t>2021-01-11</a:t>
+              <a:t>2021-01-12</a:t>
             </a:fld>
             <a:endParaRPr lang="ko-KR" altLang="en-US"/>
           </a:p>
@@ -5358,7 +5707,7 @@
           <a:p>
             <a:fld id="{784D74D0-C08C-4FA0-B1AC-58A8B9A14615}" type="datetimeFigureOut">
               <a:rPr lang="ko-KR" altLang="en-US" smtClean="0"/>
-              <a:t>2021-01-11</a:t>
+              <a:t>2021-01-12</a:t>
             </a:fld>
             <a:endParaRPr lang="ko-KR" altLang="en-US"/>
           </a:p>
@@ -5556,7 +5905,7 @@
           <a:p>
             <a:fld id="{784D74D0-C08C-4FA0-B1AC-58A8B9A14615}" type="datetimeFigureOut">
               <a:rPr lang="ko-KR" altLang="en-US" smtClean="0"/>
-              <a:t>2021-01-11</a:t>
+              <a:t>2021-01-12</a:t>
             </a:fld>
             <a:endParaRPr lang="ko-KR" altLang="en-US"/>
           </a:p>
@@ -5831,7 +6180,7 @@
           <a:p>
             <a:fld id="{784D74D0-C08C-4FA0-B1AC-58A8B9A14615}" type="datetimeFigureOut">
               <a:rPr lang="ko-KR" altLang="en-US" smtClean="0"/>
-              <a:t>2021-01-11</a:t>
+              <a:t>2021-01-12</a:t>
             </a:fld>
             <a:endParaRPr lang="ko-KR" altLang="en-US"/>
           </a:p>
@@ -6096,7 +6445,7 @@
           <a:p>
             <a:fld id="{784D74D0-C08C-4FA0-B1AC-58A8B9A14615}" type="datetimeFigureOut">
               <a:rPr lang="ko-KR" altLang="en-US" smtClean="0"/>
-              <a:t>2021-01-11</a:t>
+              <a:t>2021-01-12</a:t>
             </a:fld>
             <a:endParaRPr lang="ko-KR" altLang="en-US"/>
           </a:p>
@@ -6508,7 +6857,7 @@
           <a:p>
             <a:fld id="{784D74D0-C08C-4FA0-B1AC-58A8B9A14615}" type="datetimeFigureOut">
               <a:rPr lang="ko-KR" altLang="en-US" smtClean="0"/>
-              <a:t>2021-01-11</a:t>
+              <a:t>2021-01-12</a:t>
             </a:fld>
             <a:endParaRPr lang="ko-KR" altLang="en-US"/>
           </a:p>
@@ -6649,7 +6998,7 @@
           <a:p>
             <a:fld id="{784D74D0-C08C-4FA0-B1AC-58A8B9A14615}" type="datetimeFigureOut">
               <a:rPr lang="ko-KR" altLang="en-US" smtClean="0"/>
-              <a:t>2021-01-11</a:t>
+              <a:t>2021-01-12</a:t>
             </a:fld>
             <a:endParaRPr lang="ko-KR" altLang="en-US"/>
           </a:p>
@@ -6762,7 +7111,7 @@
           <a:p>
             <a:fld id="{784D74D0-C08C-4FA0-B1AC-58A8B9A14615}" type="datetimeFigureOut">
               <a:rPr lang="ko-KR" altLang="en-US" smtClean="0"/>
-              <a:t>2021-01-11</a:t>
+              <a:t>2021-01-12</a:t>
             </a:fld>
             <a:endParaRPr lang="ko-KR" altLang="en-US"/>
           </a:p>
@@ -7073,7 +7422,7 @@
           <a:p>
             <a:fld id="{784D74D0-C08C-4FA0-B1AC-58A8B9A14615}" type="datetimeFigureOut">
               <a:rPr lang="ko-KR" altLang="en-US" smtClean="0"/>
-              <a:t>2021-01-11</a:t>
+              <a:t>2021-01-12</a:t>
             </a:fld>
             <a:endParaRPr lang="ko-KR" altLang="en-US"/>
           </a:p>
@@ -7361,7 +7710,7 @@
           <a:p>
             <a:fld id="{784D74D0-C08C-4FA0-B1AC-58A8B9A14615}" type="datetimeFigureOut">
               <a:rPr lang="ko-KR" altLang="en-US" smtClean="0"/>
-              <a:t>2021-01-11</a:t>
+              <a:t>2021-01-12</a:t>
             </a:fld>
             <a:endParaRPr lang="ko-KR" altLang="en-US"/>
           </a:p>
@@ -7602,7 +7951,7 @@
           <a:p>
             <a:fld id="{784D74D0-C08C-4FA0-B1AC-58A8B9A14615}" type="datetimeFigureOut">
               <a:rPr lang="ko-KR" altLang="en-US" smtClean="0"/>
-              <a:t>2021-01-11</a:t>
+              <a:t>2021-01-12</a:t>
             </a:fld>
             <a:endParaRPr lang="ko-KR" altLang="en-US"/>
           </a:p>
@@ -11412,6 +11761,398 @@
           <a:chExt cx="0" cy="0"/>
         </a:xfrm>
       </p:grpSpPr>
+      <p:grpSp>
+        <p:nvGrpSpPr>
+          <p:cNvPr id="6" name="그룹 5">
+            <a:extLst>
+              <a:ext uri="{FF2B5EF4-FFF2-40B4-BE49-F238E27FC236}">
+                <a16:creationId xmlns:a16="http://schemas.microsoft.com/office/drawing/2014/main" id="{CA7BD838-D4FB-4EA7-B68C-FA7B6D147BA2}"/>
+              </a:ext>
+            </a:extLst>
+          </p:cNvPr>
+          <p:cNvGrpSpPr/>
+          <p:nvPr/>
+        </p:nvGrpSpPr>
+        <p:grpSpPr>
+          <a:xfrm>
+            <a:off x="159192" y="182880"/>
+            <a:ext cx="1852488" cy="854227"/>
+            <a:chOff x="640080" y="-971550"/>
+            <a:chExt cx="1660746" cy="765810"/>
+          </a:xfrm>
+        </p:grpSpPr>
+        <p:sp>
+          <p:nvSpPr>
+            <p:cNvPr id="18" name="TextBox 17">
+              <a:extLst>
+                <a:ext uri="{FF2B5EF4-FFF2-40B4-BE49-F238E27FC236}">
+                  <a16:creationId xmlns:a16="http://schemas.microsoft.com/office/drawing/2014/main" id="{D7B7EE40-BAD9-4569-9BF6-F6E9ACA78A3C}"/>
+                </a:ext>
+              </a:extLst>
+            </p:cNvPr>
+            <p:cNvSpPr txBox="1"/>
+            <p:nvPr/>
+          </p:nvSpPr>
+          <p:spPr>
+            <a:xfrm>
+              <a:off x="675005" y="-733504"/>
+              <a:ext cx="1590896" cy="275920"/>
+            </a:xfrm>
+            <a:prstGeom prst="rect">
+              <a:avLst/>
+            </a:prstGeom>
+            <a:noFill/>
+          </p:spPr>
+          <p:txBody>
+            <a:bodyPr wrap="square" rtlCol="0">
+              <a:spAutoFit/>
+            </a:bodyPr>
+            <a:lstStyle/>
+            <a:p>
+              <a:pPr algn="ctr"/>
+              <a:r>
+                <a:rPr lang="ko-KR" altLang="en-US" sz="1400">
+                  <a:ln>
+                    <a:solidFill>
+                      <a:schemeClr val="tx1">
+                        <a:alpha val="30000"/>
+                      </a:schemeClr>
+                    </a:solidFill>
+                  </a:ln>
+                  <a:latin typeface="맑은 고딕" panose="020B0503020000020004" pitchFamily="50" charset="-127"/>
+                  <a:ea typeface="맑은 고딕" panose="020B0503020000020004" pitchFamily="50" charset="-127"/>
+                </a:rPr>
+                <a:t>디렉티브</a:t>
+              </a:r>
+              <a:endParaRPr lang="ko-KR" altLang="en-US" sz="1400" dirty="0">
+                <a:ln>
+                  <a:solidFill>
+                    <a:schemeClr val="tx1">
+                      <a:alpha val="30000"/>
+                    </a:schemeClr>
+                  </a:solidFill>
+                </a:ln>
+                <a:latin typeface="맑은 고딕" panose="020B0503020000020004" pitchFamily="50" charset="-127"/>
+                <a:ea typeface="맑은 고딕" panose="020B0503020000020004" pitchFamily="50" charset="-127"/>
+              </a:endParaRPr>
+            </a:p>
+          </p:txBody>
+        </p:sp>
+        <p:sp>
+          <p:nvSpPr>
+            <p:cNvPr id="5" name="직사각형 4">
+              <a:extLst>
+                <a:ext uri="{FF2B5EF4-FFF2-40B4-BE49-F238E27FC236}">
+                  <a16:creationId xmlns:a16="http://schemas.microsoft.com/office/drawing/2014/main" id="{AB4C8245-D0E4-4D79-B3E9-2FB89CE6FE84}"/>
+                </a:ext>
+              </a:extLst>
+            </p:cNvPr>
+            <p:cNvSpPr/>
+            <p:nvPr/>
+          </p:nvSpPr>
+          <p:spPr>
+            <a:xfrm>
+              <a:off x="640080" y="-971550"/>
+              <a:ext cx="1660746" cy="765810"/>
+            </a:xfrm>
+            <a:prstGeom prst="rect">
+              <a:avLst/>
+            </a:prstGeom>
+            <a:noFill/>
+            <a:ln w="25400">
+              <a:solidFill>
+                <a:schemeClr val="tx1"/>
+              </a:solidFill>
+            </a:ln>
+          </p:spPr>
+          <p:style>
+            <a:lnRef idx="2">
+              <a:schemeClr val="accent1">
+                <a:shade val="50000"/>
+              </a:schemeClr>
+            </a:lnRef>
+            <a:fillRef idx="1">
+              <a:schemeClr val="accent1"/>
+            </a:fillRef>
+            <a:effectRef idx="0">
+              <a:schemeClr val="accent1"/>
+            </a:effectRef>
+            <a:fontRef idx="minor">
+              <a:schemeClr val="lt1"/>
+            </a:fontRef>
+          </p:style>
+          <p:txBody>
+            <a:bodyPr rtlCol="0" anchor="ctr"/>
+            <a:lstStyle/>
+            <a:p>
+              <a:pPr algn="ctr"/>
+              <a:endParaRPr lang="ko-KR" altLang="en-US" dirty="0">
+                <a:latin typeface="맑은 고딕" panose="020B0503020000020004" pitchFamily="50" charset="-127"/>
+                <a:ea typeface="맑은 고딕" panose="020B0503020000020004" pitchFamily="50" charset="-127"/>
+              </a:endParaRPr>
+            </a:p>
+          </p:txBody>
+        </p:sp>
+      </p:grpSp>
+      <p:pic>
+        <p:nvPicPr>
+          <p:cNvPr id="8" name="그림 7">
+            <a:extLst>
+              <a:ext uri="{FF2B5EF4-FFF2-40B4-BE49-F238E27FC236}">
+                <a16:creationId xmlns:a16="http://schemas.microsoft.com/office/drawing/2014/main" id="{D9ED7475-EFE1-4752-B457-E4F30B488936}"/>
+              </a:ext>
+            </a:extLst>
+          </p:cNvPr>
+          <p:cNvPicPr>
+            <a:picLocks noChangeAspect="1"/>
+          </p:cNvPicPr>
+          <p:nvPr/>
+        </p:nvPicPr>
+        <p:blipFill>
+          <a:blip r:embed="rId3"/>
+          <a:stretch>
+            <a:fillRect/>
+          </a:stretch>
+        </p:blipFill>
+        <p:spPr>
+          <a:xfrm>
+            <a:off x="3228975" y="1047750"/>
+            <a:ext cx="5734050" cy="4762500"/>
+          </a:xfrm>
+          <a:prstGeom prst="rect">
+            <a:avLst/>
+          </a:prstGeom>
+        </p:spPr>
+      </p:pic>
+    </p:spTree>
+    <p:extLst>
+      <p:ext uri="{BB962C8B-B14F-4D97-AF65-F5344CB8AC3E}">
+        <p14:creationId xmlns:p14="http://schemas.microsoft.com/office/powerpoint/2010/main" val="2866900433"/>
+      </p:ext>
+    </p:extLst>
+  </p:cSld>
+  <p:clrMapOvr>
+    <a:masterClrMapping/>
+  </p:clrMapOvr>
+</p:sld>
+</file>
+
+<file path=ppt/slides/slide24.xml><?xml version="1.0" encoding="utf-8"?>
+<p:sld xmlns:a="http://schemas.openxmlformats.org/drawingml/2006/main" xmlns:r="http://schemas.openxmlformats.org/officeDocument/2006/relationships" xmlns:p="http://schemas.openxmlformats.org/presentationml/2006/main">
+  <p:cSld>
+    <p:spTree>
+      <p:nvGrpSpPr>
+        <p:cNvPr id="1" name=""/>
+        <p:cNvGrpSpPr/>
+        <p:nvPr/>
+      </p:nvGrpSpPr>
+      <p:grpSpPr>
+        <a:xfrm>
+          <a:off x="0" y="0"/>
+          <a:ext cx="0" cy="0"/>
+          <a:chOff x="0" y="0"/>
+          <a:chExt cx="0" cy="0"/>
+        </a:xfrm>
+      </p:grpSpPr>
+      <p:grpSp>
+        <p:nvGrpSpPr>
+          <p:cNvPr id="6" name="그룹 5">
+            <a:extLst>
+              <a:ext uri="{FF2B5EF4-FFF2-40B4-BE49-F238E27FC236}">
+                <a16:creationId xmlns:a16="http://schemas.microsoft.com/office/drawing/2014/main" id="{CA7BD838-D4FB-4EA7-B68C-FA7B6D147BA2}"/>
+              </a:ext>
+            </a:extLst>
+          </p:cNvPr>
+          <p:cNvGrpSpPr/>
+          <p:nvPr/>
+        </p:nvGrpSpPr>
+        <p:grpSpPr>
+          <a:xfrm>
+            <a:off x="159192" y="182880"/>
+            <a:ext cx="1852488" cy="854227"/>
+            <a:chOff x="640080" y="-971550"/>
+            <a:chExt cx="1660746" cy="765810"/>
+          </a:xfrm>
+        </p:grpSpPr>
+        <p:sp>
+          <p:nvSpPr>
+            <p:cNvPr id="18" name="TextBox 17">
+              <a:extLst>
+                <a:ext uri="{FF2B5EF4-FFF2-40B4-BE49-F238E27FC236}">
+                  <a16:creationId xmlns:a16="http://schemas.microsoft.com/office/drawing/2014/main" id="{D7B7EE40-BAD9-4569-9BF6-F6E9ACA78A3C}"/>
+                </a:ext>
+              </a:extLst>
+            </p:cNvPr>
+            <p:cNvSpPr txBox="1"/>
+            <p:nvPr/>
+          </p:nvSpPr>
+          <p:spPr>
+            <a:xfrm>
+              <a:off x="675005" y="-733504"/>
+              <a:ext cx="1590896" cy="275920"/>
+            </a:xfrm>
+            <a:prstGeom prst="rect">
+              <a:avLst/>
+            </a:prstGeom>
+            <a:noFill/>
+          </p:spPr>
+          <p:txBody>
+            <a:bodyPr wrap="square" rtlCol="0">
+              <a:spAutoFit/>
+            </a:bodyPr>
+            <a:lstStyle/>
+            <a:p>
+              <a:pPr algn="ctr"/>
+              <a:r>
+                <a:rPr lang="ko-KR" altLang="en-US" sz="1400">
+                  <a:ln>
+                    <a:solidFill>
+                      <a:schemeClr val="tx1">
+                        <a:alpha val="30000"/>
+                      </a:schemeClr>
+                    </a:solidFill>
+                  </a:ln>
+                  <a:latin typeface="맑은 고딕" panose="020B0503020000020004" pitchFamily="50" charset="-127"/>
+                  <a:ea typeface="맑은 고딕" panose="020B0503020000020004" pitchFamily="50" charset="-127"/>
+                </a:rPr>
+                <a:t>디렉티브</a:t>
+              </a:r>
+              <a:endParaRPr lang="ko-KR" altLang="en-US" sz="1400" dirty="0">
+                <a:ln>
+                  <a:solidFill>
+                    <a:schemeClr val="tx1">
+                      <a:alpha val="30000"/>
+                    </a:schemeClr>
+                  </a:solidFill>
+                </a:ln>
+                <a:latin typeface="맑은 고딕" panose="020B0503020000020004" pitchFamily="50" charset="-127"/>
+                <a:ea typeface="맑은 고딕" panose="020B0503020000020004" pitchFamily="50" charset="-127"/>
+              </a:endParaRPr>
+            </a:p>
+          </p:txBody>
+        </p:sp>
+        <p:sp>
+          <p:nvSpPr>
+            <p:cNvPr id="5" name="직사각형 4">
+              <a:extLst>
+                <a:ext uri="{FF2B5EF4-FFF2-40B4-BE49-F238E27FC236}">
+                  <a16:creationId xmlns:a16="http://schemas.microsoft.com/office/drawing/2014/main" id="{AB4C8245-D0E4-4D79-B3E9-2FB89CE6FE84}"/>
+                </a:ext>
+              </a:extLst>
+            </p:cNvPr>
+            <p:cNvSpPr/>
+            <p:nvPr/>
+          </p:nvSpPr>
+          <p:spPr>
+            <a:xfrm>
+              <a:off x="640080" y="-971550"/>
+              <a:ext cx="1660746" cy="765810"/>
+            </a:xfrm>
+            <a:prstGeom prst="rect">
+              <a:avLst/>
+            </a:prstGeom>
+            <a:noFill/>
+            <a:ln w="25400">
+              <a:solidFill>
+                <a:schemeClr val="tx1"/>
+              </a:solidFill>
+            </a:ln>
+          </p:spPr>
+          <p:style>
+            <a:lnRef idx="2">
+              <a:schemeClr val="accent1">
+                <a:shade val="50000"/>
+              </a:schemeClr>
+            </a:lnRef>
+            <a:fillRef idx="1">
+              <a:schemeClr val="accent1"/>
+            </a:fillRef>
+            <a:effectRef idx="0">
+              <a:schemeClr val="accent1"/>
+            </a:effectRef>
+            <a:fontRef idx="minor">
+              <a:schemeClr val="lt1"/>
+            </a:fontRef>
+          </p:style>
+          <p:txBody>
+            <a:bodyPr rtlCol="0" anchor="ctr"/>
+            <a:lstStyle/>
+            <a:p>
+              <a:pPr algn="ctr"/>
+              <a:endParaRPr lang="ko-KR" altLang="en-US" dirty="0">
+                <a:latin typeface="맑은 고딕" panose="020B0503020000020004" pitchFamily="50" charset="-127"/>
+                <a:ea typeface="맑은 고딕" panose="020B0503020000020004" pitchFamily="50" charset="-127"/>
+              </a:endParaRPr>
+            </a:p>
+          </p:txBody>
+        </p:sp>
+      </p:grpSp>
+      <p:pic>
+        <p:nvPicPr>
+          <p:cNvPr id="3" name="그림 2">
+            <a:extLst>
+              <a:ext uri="{FF2B5EF4-FFF2-40B4-BE49-F238E27FC236}">
+                <a16:creationId xmlns:a16="http://schemas.microsoft.com/office/drawing/2014/main" id="{F645270B-5648-400C-8C87-620DF2B30808}"/>
+              </a:ext>
+            </a:extLst>
+          </p:cNvPr>
+          <p:cNvPicPr>
+            <a:picLocks noChangeAspect="1"/>
+          </p:cNvPicPr>
+          <p:nvPr/>
+        </p:nvPicPr>
+        <p:blipFill>
+          <a:blip r:embed="rId3">
+            <a:extLst>
+              <a:ext uri="{28A0092B-C50C-407E-A947-70E740481C1C}">
+                <a14:useLocalDpi xmlns:a14="http://schemas.microsoft.com/office/drawing/2010/main" val="0"/>
+              </a:ext>
+            </a:extLst>
+          </a:blip>
+          <a:stretch>
+            <a:fillRect/>
+          </a:stretch>
+        </p:blipFill>
+        <p:spPr>
+          <a:xfrm>
+            <a:off x="516000" y="1276251"/>
+            <a:ext cx="11160000" cy="5398869"/>
+          </a:xfrm>
+          <a:prstGeom prst="rect">
+            <a:avLst/>
+          </a:prstGeom>
+        </p:spPr>
+      </p:pic>
+    </p:spTree>
+    <p:extLst>
+      <p:ext uri="{BB962C8B-B14F-4D97-AF65-F5344CB8AC3E}">
+        <p14:creationId xmlns:p14="http://schemas.microsoft.com/office/powerpoint/2010/main" val="1279327130"/>
+      </p:ext>
+    </p:extLst>
+  </p:cSld>
+  <p:clrMapOvr>
+    <a:masterClrMapping/>
+  </p:clrMapOvr>
+</p:sld>
+</file>
+
+<file path=ppt/slides/slide25.xml><?xml version="1.0" encoding="utf-8"?>
+<p:sld xmlns:a="http://schemas.openxmlformats.org/drawingml/2006/main" xmlns:r="http://schemas.openxmlformats.org/officeDocument/2006/relationships" xmlns:p="http://schemas.openxmlformats.org/presentationml/2006/main">
+  <p:cSld>
+    <p:spTree>
+      <p:nvGrpSpPr>
+        <p:cNvPr id="1" name=""/>
+        <p:cNvGrpSpPr/>
+        <p:nvPr/>
+      </p:nvGrpSpPr>
+      <p:grpSpPr>
+        <a:xfrm>
+          <a:off x="0" y="0"/>
+          <a:ext cx="0" cy="0"/>
+          <a:chOff x="0" y="0"/>
+          <a:chExt cx="0" cy="0"/>
+        </a:xfrm>
+      </p:grpSpPr>
       <p:pic>
         <p:nvPicPr>
           <p:cNvPr id="8" name="그림 7">
@@ -11503,7 +12244,7 @@
 </p:sld>
 </file>
 
-<file path=ppt/slides/slide24.xml><?xml version="1.0" encoding="utf-8"?>
+<file path=ppt/slides/slide26.xml><?xml version="1.0" encoding="utf-8"?>
 <p:sld xmlns:a="http://schemas.openxmlformats.org/drawingml/2006/main" xmlns:r="http://schemas.openxmlformats.org/officeDocument/2006/relationships" xmlns:p="http://schemas.openxmlformats.org/presentationml/2006/main">
   <p:cSld>
     <p:spTree>

--- a/2021_01_12/세미나2.pptx
+++ b/2021_01_12/세미나2.pptx
@@ -720,15 +720,20 @@
             </a:r>
             <a:r>
               <a:rPr lang="ko-KR" altLang="en-US"/>
-              <a:t>인스턴스를  생성 한 후 해당 인스턴스의 데이터 속성에는 보시는 것과 같이 </a:t>
-            </a:r>
-            <a:r>
-              <a:rPr lang="en-US" altLang="ko-KR"/>
-              <a:t>Hello Vue</a:t>
-            </a:r>
-            <a:r>
-              <a:rPr lang="ko-KR" altLang="en-US"/>
-              <a:t> 문자열을 작성한 후 화면에 띄워주는 간단한 예제입니다</a:t>
+              <a:t>인스턴스를  생성하빈다</a:t>
+            </a:r>
+            <a:r>
+              <a:rPr lang="en-US" altLang="ko-KR"/>
+              <a:t>.</a:t>
+            </a:r>
+          </a:p>
+          <a:p>
+            <a:endParaRPr lang="en-US" altLang="ko-KR"/>
+          </a:p>
+          <a:p>
+            <a:r>
+              <a:rPr lang="ko-KR" altLang="en-US"/>
+              <a:t>해당 인스턴스에는 데이터라는 속성이 있고 이것은 변수를 저장하는 곳이라고 보시면 됩니다</a:t>
             </a:r>
             <a:r>
               <a:rPr lang="en-US" altLang="ko-KR"/>
@@ -866,19 +871,19 @@
           <a:p>
             <a:r>
               <a:rPr lang="ko-KR" altLang="en-US"/>
-              <a:t>웹 실행과 동시에 </a:t>
-            </a:r>
-            <a:r>
-              <a:rPr lang="en-US" altLang="ko-KR"/>
-              <a:t>create, mount </a:t>
-            </a:r>
-            <a:r>
-              <a:rPr lang="ko-KR" altLang="en-US"/>
-              <a:t>관련 훅은 실행이 되었고</a:t>
-            </a:r>
-            <a:r>
-              <a:rPr lang="en-US" altLang="ko-KR"/>
-              <a:t>,</a:t>
+              <a:t>웹 실행과 동시에 인스턴스가 생성되고</a:t>
+            </a:r>
+            <a:r>
+              <a:rPr lang="en-US" altLang="ko-KR"/>
+              <a:t>, </a:t>
+            </a:r>
+            <a:r>
+              <a:rPr lang="ko-KR" altLang="en-US"/>
+              <a:t>렌더링이 되었기 때문에 네단계는 호출이 미리 되었습니다</a:t>
+            </a:r>
+            <a:r>
+              <a:rPr lang="en-US" altLang="ko-KR"/>
+              <a:t>.</a:t>
             </a:r>
           </a:p>
           <a:p>
@@ -887,7 +892,15 @@
           <a:p>
             <a:r>
               <a:rPr lang="ko-KR" altLang="en-US"/>
-              <a:t>콘솔을 통해 인스턴스 내부 데이터 값을 변경하니 </a:t>
+              <a:t>이 후 콘솔을 통해 </a:t>
+            </a:r>
+            <a:r>
+              <a:rPr lang="en-US" altLang="ko-KR"/>
+              <a:t>message </a:t>
+            </a:r>
+            <a:r>
+              <a:rPr lang="ko-KR" altLang="en-US"/>
+              <a:t>라는 내부 데이터 값을 변경하니 </a:t>
             </a:r>
             <a:r>
               <a:rPr lang="en-US" altLang="ko-KR"/>
@@ -895,7 +908,7 @@
             </a:r>
             <a:r>
               <a:rPr lang="ko-KR" altLang="en-US"/>
-              <a:t> 훅들이 호출되고</a:t>
+              <a:t>에 관련된 훅들이 호출되고</a:t>
             </a:r>
             <a:endParaRPr lang="en-US" altLang="ko-KR"/>
           </a:p>
@@ -1079,11 +1092,19 @@
           <a:p>
             <a:r>
               <a:rPr lang="ko-KR" altLang="en-US"/>
-              <a:t>보간법은 방금 말씀드린대로 이중 중괄호 사이에는 자바스크립트 문법이나 데이터들이 들어오면 이를 화면에 렌더링할 수 있도록 하는것이고</a:t>
-            </a:r>
-            <a:r>
-              <a:rPr lang="en-US" altLang="ko-KR"/>
-              <a:t>,</a:t>
+              <a:t>보간법은 방금 말씀드린 것이고</a:t>
+            </a:r>
+            <a:r>
+              <a:rPr lang="en-US" altLang="ko-KR"/>
+              <a:t>, </a:t>
+            </a:r>
+            <a:r>
+              <a:rPr lang="ko-KR" altLang="en-US"/>
+              <a:t>데이터가 들어갈 수 있듯 자바스크립트 문법이 들어갈수도있습니다</a:t>
+            </a:r>
+            <a:r>
+              <a:rPr lang="en-US" altLang="ko-KR"/>
+              <a:t>.</a:t>
             </a:r>
           </a:p>
           <a:p>
@@ -1223,20 +1244,6 @@
             <a:endParaRPr lang="en-US" altLang="ko-KR"/>
           </a:p>
           <a:p>
-            <a:r>
-              <a:rPr lang="en-US" altLang="ko-KR"/>
-              <a:t>V-bind </a:t>
-            </a:r>
-            <a:r>
-              <a:rPr lang="ko-KR" altLang="en-US"/>
-              <a:t>디렉티브를 다음과 같이 활용해 클래스를 지정할 수 있습니다</a:t>
-            </a:r>
-            <a:r>
-              <a:rPr lang="en-US" altLang="ko-KR"/>
-              <a:t>.</a:t>
-            </a:r>
-          </a:p>
-          <a:p>
             <a:endParaRPr lang="en-US" altLang="ko-KR"/>
           </a:p>
           <a:p>
@@ -1400,20 +1407,9 @@
           <a:p>
             <a:r>
               <a:rPr lang="ko-KR" altLang="en-US"/>
-              <a:t>이를 활용하여 서버로부터 받아온 </a:t>
-            </a:r>
-            <a:r>
-              <a:rPr lang="en-US" altLang="ko-KR"/>
-              <a:t>url</a:t>
-            </a:r>
-            <a:r>
-              <a:rPr lang="ko-KR" altLang="en-US"/>
-              <a:t>을 앵커에 넣어 활용할 수 있고</a:t>
-            </a:r>
-            <a:r>
-              <a:rPr lang="en-US" altLang="ko-KR"/>
-              <a:t>,</a:t>
-            </a:r>
+              <a:t>이를 활용하여 서버로부터 받아온 이미지 경로를 넣어주어 이미지를 출력할 수 있고</a:t>
+            </a:r>
+            <a:endParaRPr lang="en-US" altLang="ko-KR"/>
           </a:p>
           <a:p>
             <a:endParaRPr lang="en-US" altLang="ko-KR"/>
@@ -2570,19 +2566,6 @@
           <a:p>
             <a:r>
               <a:rPr lang="ko-KR" altLang="en-US"/>
-              <a:t>큰 차이가 있을까요</a:t>
-            </a:r>
-            <a:r>
-              <a:rPr lang="en-US" altLang="ko-KR"/>
-              <a:t>?</a:t>
-            </a:r>
-          </a:p>
-          <a:p>
-            <a:endParaRPr lang="en-US" altLang="ko-KR"/>
-          </a:p>
-          <a:p>
-            <a:r>
-              <a:rPr lang="ko-KR" altLang="en-US"/>
               <a:t>그렇게 큰 차이는 존재하지 않습니다</a:t>
             </a:r>
             <a:r>
@@ -3582,11 +3565,19 @@
           <a:p>
             <a:r>
               <a:rPr lang="en-US" altLang="ko-KR"/>
+              <a:t>Vue</a:t>
+            </a:r>
+            <a:r>
+              <a:rPr lang="ko-KR" altLang="en-US"/>
+              <a:t>에 사용법이나 문법에 대해 알아보기 전에 우선 </a:t>
+            </a:r>
+            <a:r>
+              <a:rPr lang="en-US" altLang="ko-KR"/>
               <a:t>Vue.js </a:t>
             </a:r>
             <a:r>
               <a:rPr lang="ko-KR" altLang="en-US"/>
-              <a:t>는 전에 말씀드렸듯 자바스크립트의 프레임 워크 입니다</a:t>
+              <a:t>자체에 대해 알아보겠습니다</a:t>
             </a:r>
             <a:r>
               <a:rPr lang="en-US" altLang="ko-KR"/>
@@ -3603,15 +3594,7 @@
             </a:r>
             <a:r>
               <a:rPr lang="ko-KR" altLang="en-US"/>
-              <a:t>는 </a:t>
-            </a:r>
-            <a:r>
-              <a:rPr lang="en-US" altLang="ko-KR"/>
-              <a:t>Angular js</a:t>
-            </a:r>
-            <a:r>
-              <a:rPr lang="ko-KR" altLang="en-US"/>
-              <a:t>를 사용하여 구글 크리에이티브 랩스에서 근무하던 </a:t>
+              <a:t>는 구글 크리에이티브 랩스에서 근무하던 </a:t>
             </a:r>
             <a:r>
               <a:rPr lang="en-US" altLang="ko-KR"/>
@@ -3831,7 +3814,7 @@
           <a:p>
             <a:r>
               <a:rPr lang="ko-KR" altLang="en-US"/>
-              <a:t>첫 번째로 가장 먼저 학습 난이도가 낮습니다</a:t>
+              <a:t>첫 번째로 학습 난이도가 낮습니다</a:t>
             </a:r>
             <a:r>
               <a:rPr lang="en-US" altLang="ko-KR"/>
@@ -4255,16 +4238,36 @@
           </a:p>
           <a:p>
             <a:r>
-              <a:rPr lang="en-US" altLang="ko-KR"/>
-              <a:t>(</a:t>
-            </a:r>
-            <a:r>
-              <a:rPr lang="ko-KR" altLang="en-US"/>
-              <a:t>여기서 양방향 데이터바인딩이란 데이터의 변화가 입력에 따라 업데이트되는 개념이고</a:t>
-            </a:r>
-            <a:r>
-              <a:rPr lang="en-US" altLang="ko-KR"/>
-              <a:t>,</a:t>
+              <a:rPr lang="ko-KR" altLang="en-US"/>
+              <a:t>특히나 </a:t>
+            </a:r>
+            <a:r>
+              <a:rPr lang="en-US" altLang="ko-KR"/>
+              <a:t>React</a:t>
+            </a:r>
+            <a:r>
+              <a:rPr lang="ko-KR" altLang="en-US"/>
+              <a:t>의 가상 돔 기반 렌더링으로 인해 실제 </a:t>
+            </a:r>
+            <a:r>
+              <a:rPr lang="en-US" altLang="ko-KR"/>
+              <a:t>DOM</a:t>
+            </a:r>
+            <a:r>
+              <a:rPr lang="ko-KR" altLang="en-US"/>
+              <a:t>을 조작하지 않고 가상의 </a:t>
+            </a:r>
+            <a:r>
+              <a:rPr lang="en-US" altLang="ko-KR"/>
+              <a:t>DOM</a:t>
+            </a:r>
+            <a:r>
+              <a:rPr lang="ko-KR" altLang="en-US"/>
+              <a:t>을 조작하여 관리하고 이로 인해 렌더링 속도가 최적화되어 빠른 장점을 가집니다</a:t>
+            </a:r>
+            <a:r>
+              <a:rPr lang="en-US" altLang="ko-KR"/>
+              <a:t>.</a:t>
             </a:r>
           </a:p>
           <a:p>
@@ -4273,57 +4276,7 @@
           <a:p>
             <a:r>
               <a:rPr lang="ko-KR" altLang="en-US"/>
-              <a:t>가상 돔 기반의 렌더링은 메모리에 돔의 복사본을 올려놓아 가상돔이 수정되면 진짜 </a:t>
-            </a:r>
-            <a:r>
-              <a:rPr lang="en-US" altLang="ko-KR"/>
-              <a:t>DOM</a:t>
-            </a:r>
-            <a:r>
-              <a:rPr lang="ko-KR" altLang="en-US"/>
-              <a:t>이 수정되는 개념입니다</a:t>
-            </a:r>
-            <a:r>
-              <a:rPr lang="en-US" altLang="ko-KR"/>
-              <a:t>. </a:t>
-            </a:r>
-            <a:r>
-              <a:rPr lang="ko-KR" altLang="en-US"/>
-              <a:t>한 마디로 필요한 부분만 렌더링하여 빠릅니다</a:t>
-            </a:r>
-            <a:r>
-              <a:rPr lang="en-US" altLang="ko-KR"/>
-              <a:t>.)</a:t>
-            </a:r>
-          </a:p>
-          <a:p>
-            <a:endParaRPr lang="en-US" altLang="ko-KR"/>
-          </a:p>
-          <a:p>
-            <a:r>
-              <a:rPr lang="ko-KR" altLang="en-US"/>
-              <a:t>특히나 </a:t>
-            </a:r>
-            <a:r>
-              <a:rPr lang="en-US" altLang="ko-KR"/>
-              <a:t>React</a:t>
-            </a:r>
-            <a:r>
-              <a:rPr lang="ko-KR" altLang="en-US"/>
-              <a:t>의 가상 돔 기반 렌더링 장점을 가지고 있기 때문에 돔 요소가 많아도 핸들링 하는데 있어 느려지지 않고 여전히 빠른 장점을 가집니다</a:t>
-            </a:r>
-            <a:r>
-              <a:rPr lang="en-US" altLang="ko-KR"/>
-              <a:t>.</a:t>
-            </a:r>
-          </a:p>
-          <a:p>
-            <a:endParaRPr lang="en-US" altLang="ko-KR"/>
-          </a:p>
-          <a:p>
-            <a:r>
-              <a:rPr lang="ko-KR" altLang="en-US"/>
-              <a:t>이러한 와중에 공통점을 가진 </a:t>
+              <a:t>실제로 </a:t>
             </a:r>
             <a:r>
               <a:rPr lang="en-US" altLang="ko-KR"/>
@@ -4514,7 +4467,7 @@
           <a:p>
             <a:r>
               <a:rPr lang="ko-KR" altLang="en-US"/>
-              <a:t>부분 부분 나눌 수 있다는 점에 있어 팀플를 진행하는 팀에게 컴포넌트를 할당하고 이를 개별적으로 관리가 가능하다는 점에 있어 대규모 프로젝트에서 </a:t>
+              <a:t>부분 부분 나눌 수 있다는 점에 있어 팀플을 진행하는 팀원에게 컴포넌트를 할당하고 이를 개별적으로 관리가 가능하다는 점에 있어 대규모 프로젝트에서 </a:t>
             </a:r>
             <a:r>
               <a:rPr lang="en-US" altLang="ko-KR"/>
@@ -4758,7 +4711,7 @@
             </a:r>
             <a:r>
               <a:rPr lang="ko-KR" altLang="en-US"/>
-              <a:t>앱 구현시 필요한 기능들에 대하여 간략하게 알아보도록 하겠습니다</a:t>
+              <a:t>앱 구현시 필요한 기능들에 대하여 간략한 코드를 통해 알아보도록 하겠습니다</a:t>
             </a:r>
             <a:r>
               <a:rPr lang="en-US" altLang="ko-KR"/>
